--- a/Interface Segregation Principle.pptx
+++ b/Interface Segregation Principle.pptx
@@ -6,8 +6,11 @@
   </p:sldMasterIdLst>
   <p:sldIdLst>
     <p:sldId id="256" r:id="rId2"/>
-    <p:sldId id="257" r:id="rId3"/>
-    <p:sldId id="258" r:id="rId4"/>
+    <p:sldId id="258" r:id="rId3"/>
+    <p:sldId id="259" r:id="rId4"/>
+    <p:sldId id="260" r:id="rId5"/>
+    <p:sldId id="261" r:id="rId6"/>
+    <p:sldId id="262" r:id="rId7"/>
   </p:sldIdLst>
   <p:sldSz cx="12192000" cy="6858000"/>
   <p:notesSz cx="6858000" cy="9144000"/>
@@ -112,8 +115,11 @@
         <p14:section name="Default Section" id="{D8E19274-51C3-419C-BC03-62B42353195A}">
           <p14:sldIdLst>
             <p14:sldId id="256"/>
-            <p14:sldId id="257"/>
             <p14:sldId id="258"/>
+            <p14:sldId id="259"/>
+            <p14:sldId id="260"/>
+            <p14:sldId id="261"/>
+            <p14:sldId id="262"/>
           </p14:sldIdLst>
         </p14:section>
       </p14:sectionLst>
@@ -3468,63 +3474,88 @@
       </p:grpSpPr>
       <p:sp>
         <p:nvSpPr>
-          <p:cNvPr id="2" name="Title 1">
-            <a:extLst>
-              <a:ext uri="{FF2B5EF4-FFF2-40B4-BE49-F238E27FC236}">
-                <a16:creationId xmlns:a16="http://schemas.microsoft.com/office/drawing/2014/main" id="{DED12213-D005-4E9E-A645-70295802FFBE}"/>
-              </a:ext>
-            </a:extLst>
-          </p:cNvPr>
-          <p:cNvSpPr>
-            <a:spLocks noGrp="1"/>
-          </p:cNvSpPr>
-          <p:nvPr>
-            <p:ph type="title"/>
-          </p:nvPr>
+          <p:cNvPr id="2" name="TextBox 1">
+            <a:extLst>
+              <a:ext uri="{FF2B5EF4-FFF2-40B4-BE49-F238E27FC236}">
+                <a16:creationId xmlns:a16="http://schemas.microsoft.com/office/drawing/2014/main" id="{FBCF629A-A9D0-48AC-A7BE-840B2257F08A}"/>
+              </a:ext>
+            </a:extLst>
+          </p:cNvPr>
+          <p:cNvSpPr txBox="1"/>
+          <p:nvPr/>
         </p:nvSpPr>
         <p:spPr>
           <a:xfrm>
-            <a:off x="831850" y="1709738"/>
-            <a:ext cx="10515600" cy="1119187"/>
+            <a:off x="657225" y="1352550"/>
+            <a:ext cx="7810500" cy="707886"/>
           </a:xfrm>
+          <a:prstGeom prst="rect">
+            <a:avLst/>
+          </a:prstGeom>
+          <a:noFill/>
         </p:spPr>
         <p:txBody>
-          <a:bodyPr/>
-          <a:lstStyle/>
-          <a:p>
-            <a:endParaRPr lang="en-US" dirty="0"/>
-          </a:p>
-        </p:txBody>
-      </p:sp>
-      <p:sp>
-        <p:nvSpPr>
-          <p:cNvPr id="3" name="Text Placeholder 2">
-            <a:extLst>
-              <a:ext uri="{FF2B5EF4-FFF2-40B4-BE49-F238E27FC236}">
-                <a16:creationId xmlns:a16="http://schemas.microsoft.com/office/drawing/2014/main" id="{5D43A7A5-5F3F-434C-A62E-92F65B51F54F}"/>
-              </a:ext>
-            </a:extLst>
-          </p:cNvPr>
-          <p:cNvSpPr>
-            <a:spLocks noGrp="1"/>
-          </p:cNvSpPr>
-          <p:nvPr>
-            <p:ph type="body" idx="1"/>
-          </p:nvPr>
-        </p:nvSpPr>
-        <p:spPr/>
-        <p:txBody>
-          <a:bodyPr/>
-          <a:lstStyle/>
-          <a:p>
-            <a:endParaRPr lang="en-US" dirty="0"/>
+          <a:bodyPr wrap="square" rtlCol="0">
+            <a:spAutoFit/>
+          </a:bodyPr>
+          <a:lstStyle/>
+          <a:p>
+            <a:r>
+              <a:rPr lang="en-US" sz="4000" dirty="0">
+                <a:solidFill>
+                  <a:schemeClr val="accent5">
+                    <a:lumMod val="75000"/>
+                  </a:schemeClr>
+                </a:solidFill>
+              </a:rPr>
+              <a:t>Interface Segregation Principle</a:t>
+            </a:r>
+          </a:p>
+        </p:txBody>
+      </p:sp>
+      <p:sp>
+        <p:nvSpPr>
+          <p:cNvPr id="3" name="TextBox 2">
+            <a:extLst>
+              <a:ext uri="{FF2B5EF4-FFF2-40B4-BE49-F238E27FC236}">
+                <a16:creationId xmlns:a16="http://schemas.microsoft.com/office/drawing/2014/main" id="{4DBAA992-B352-45E0-B670-5ADC938DFEDA}"/>
+              </a:ext>
+            </a:extLst>
+          </p:cNvPr>
+          <p:cNvSpPr txBox="1"/>
+          <p:nvPr/>
+        </p:nvSpPr>
+        <p:spPr>
+          <a:xfrm>
+            <a:off x="1747837" y="2767280"/>
+            <a:ext cx="8696325" cy="1323439"/>
+          </a:xfrm>
+          <a:prstGeom prst="rect">
+            <a:avLst/>
+          </a:prstGeom>
+          <a:noFill/>
+        </p:spPr>
+        <p:txBody>
+          <a:bodyPr wrap="square" rtlCol="0">
+            <a:spAutoFit/>
+          </a:bodyPr>
+          <a:lstStyle/>
+          <a:p>
+            <a:r>
+              <a:rPr lang="en-US" sz="4000" dirty="0">
+                <a:solidFill>
+                  <a:schemeClr val="accent2"/>
+                </a:solidFill>
+              </a:rPr>
+              <a:t>Clients should not be forced to depend on methods that they do not use. </a:t>
+            </a:r>
           </a:p>
         </p:txBody>
       </p:sp>
     </p:spTree>
     <p:extLst>
       <p:ext uri="{BB962C8B-B14F-4D97-AF65-F5344CB8AC3E}">
-        <p14:creationId xmlns:p14="http://schemas.microsoft.com/office/powerpoint/2010/main" val="2672653840"/>
+        <p14:creationId xmlns:p14="http://schemas.microsoft.com/office/powerpoint/2010/main" val="1670711242"/>
       </p:ext>
     </p:extLst>
   </p:cSld>
@@ -3556,6 +3587,609 @@
           <p:cNvPr id="2" name="TextBox 1">
             <a:extLst>
               <a:ext uri="{FF2B5EF4-FFF2-40B4-BE49-F238E27FC236}">
+                <a16:creationId xmlns:a16="http://schemas.microsoft.com/office/drawing/2014/main" id="{FAD9B7BE-7BC0-40C5-8117-CE450C2443CA}"/>
+              </a:ext>
+            </a:extLst>
+          </p:cNvPr>
+          <p:cNvSpPr txBox="1"/>
+          <p:nvPr/>
+        </p:nvSpPr>
+        <p:spPr>
+          <a:xfrm>
+            <a:off x="2066925" y="1504771"/>
+            <a:ext cx="9913932" cy="1200329"/>
+          </a:xfrm>
+          <a:prstGeom prst="rect">
+            <a:avLst/>
+          </a:prstGeom>
+          <a:noFill/>
+        </p:spPr>
+        <p:txBody>
+          <a:bodyPr wrap="none" rtlCol="0">
+            <a:spAutoFit/>
+          </a:bodyPr>
+          <a:lstStyle/>
+          <a:p>
+            <a:r>
+              <a:rPr lang="en-US" sz="2400" dirty="0">
+                <a:solidFill>
+                  <a:schemeClr val="accent2"/>
+                </a:solidFill>
+              </a:rPr>
+              <a:t>Abstract methods are declared without any implementation.</a:t>
+            </a:r>
+          </a:p>
+          <a:p>
+            <a:r>
+              <a:rPr lang="en-US" sz="2400" dirty="0">
+                <a:solidFill>
+                  <a:schemeClr val="accent2"/>
+                </a:solidFill>
+              </a:rPr>
+              <a:t> </a:t>
+            </a:r>
+          </a:p>
+          <a:p>
+            <a:r>
+              <a:rPr lang="en-US" sz="2400" dirty="0">
+                <a:solidFill>
+                  <a:schemeClr val="accent2"/>
+                </a:solidFill>
+              </a:rPr>
+              <a:t>It declared with the purpose of having the child class provide implementation.</a:t>
+            </a:r>
+          </a:p>
+        </p:txBody>
+      </p:sp>
+      <p:sp>
+        <p:nvSpPr>
+          <p:cNvPr id="3" name="TextBox 2">
+            <a:extLst>
+              <a:ext uri="{FF2B5EF4-FFF2-40B4-BE49-F238E27FC236}">
+                <a16:creationId xmlns:a16="http://schemas.microsoft.com/office/drawing/2014/main" id="{7EE6E2A1-9023-457F-95FC-A1ED8147A23E}"/>
+              </a:ext>
+            </a:extLst>
+          </p:cNvPr>
+          <p:cNvSpPr txBox="1"/>
+          <p:nvPr/>
+        </p:nvSpPr>
+        <p:spPr>
+          <a:xfrm>
+            <a:off x="1028700" y="581025"/>
+            <a:ext cx="3704156" cy="707886"/>
+          </a:xfrm>
+          <a:prstGeom prst="rect">
+            <a:avLst/>
+          </a:prstGeom>
+          <a:noFill/>
+        </p:spPr>
+        <p:txBody>
+          <a:bodyPr wrap="none" rtlCol="0">
+            <a:spAutoFit/>
+          </a:bodyPr>
+          <a:lstStyle/>
+          <a:p>
+            <a:r>
+              <a:rPr lang="en-US" sz="4000" dirty="0">
+                <a:solidFill>
+                  <a:schemeClr val="accent5">
+                    <a:lumMod val="75000"/>
+                  </a:schemeClr>
+                </a:solidFill>
+              </a:rPr>
+              <a:t>Abstract Method</a:t>
+            </a:r>
+          </a:p>
+        </p:txBody>
+      </p:sp>
+      <p:sp>
+        <p:nvSpPr>
+          <p:cNvPr id="4" name="TextBox 3">
+            <a:extLst>
+              <a:ext uri="{FF2B5EF4-FFF2-40B4-BE49-F238E27FC236}">
+                <a16:creationId xmlns:a16="http://schemas.microsoft.com/office/drawing/2014/main" id="{0582376C-607B-49B7-8AC6-81AAA6815356}"/>
+              </a:ext>
+            </a:extLst>
+          </p:cNvPr>
+          <p:cNvSpPr txBox="1"/>
+          <p:nvPr/>
+        </p:nvSpPr>
+        <p:spPr>
+          <a:xfrm>
+            <a:off x="1028700" y="2914650"/>
+            <a:ext cx="2158540" cy="707886"/>
+          </a:xfrm>
+          <a:prstGeom prst="rect">
+            <a:avLst/>
+          </a:prstGeom>
+          <a:noFill/>
+        </p:spPr>
+        <p:txBody>
+          <a:bodyPr wrap="none" rtlCol="0">
+            <a:spAutoFit/>
+          </a:bodyPr>
+          <a:lstStyle/>
+          <a:p>
+            <a:r>
+              <a:rPr lang="en-US" sz="4000" dirty="0">
+                <a:solidFill>
+                  <a:schemeClr val="accent5">
+                    <a:lumMod val="75000"/>
+                  </a:schemeClr>
+                </a:solidFill>
+              </a:rPr>
+              <a:t>Interface </a:t>
+            </a:r>
+          </a:p>
+        </p:txBody>
+      </p:sp>
+      <p:sp>
+        <p:nvSpPr>
+          <p:cNvPr id="5" name="TextBox 4">
+            <a:extLst>
+              <a:ext uri="{FF2B5EF4-FFF2-40B4-BE49-F238E27FC236}">
+                <a16:creationId xmlns:a16="http://schemas.microsoft.com/office/drawing/2014/main" id="{70E943B3-8408-4D59-95B9-C03637786B5E}"/>
+              </a:ext>
+            </a:extLst>
+          </p:cNvPr>
+          <p:cNvSpPr txBox="1"/>
+          <p:nvPr/>
+        </p:nvSpPr>
+        <p:spPr>
+          <a:xfrm>
+            <a:off x="2107970" y="3771900"/>
+            <a:ext cx="9251507" cy="830997"/>
+          </a:xfrm>
+          <a:prstGeom prst="rect">
+            <a:avLst/>
+          </a:prstGeom>
+          <a:noFill/>
+        </p:spPr>
+        <p:txBody>
+          <a:bodyPr wrap="none" rtlCol="0">
+            <a:spAutoFit/>
+          </a:bodyPr>
+          <a:lstStyle/>
+          <a:p>
+            <a:r>
+              <a:rPr lang="en-US" sz="2400" dirty="0">
+                <a:solidFill>
+                  <a:schemeClr val="accent2"/>
+                </a:solidFill>
+              </a:rPr>
+              <a:t>Interface is a collection of Abstract method. An interface only contains </a:t>
+            </a:r>
+          </a:p>
+          <a:p>
+            <a:r>
+              <a:rPr lang="en-US" sz="2400" dirty="0">
+                <a:solidFill>
+                  <a:schemeClr val="accent2"/>
+                </a:solidFill>
+              </a:rPr>
+              <a:t>method signatures and constants which means no implementation code.</a:t>
+            </a:r>
+          </a:p>
+        </p:txBody>
+      </p:sp>
+      <p:sp>
+        <p:nvSpPr>
+          <p:cNvPr id="6" name="TextBox 5">
+            <a:extLst>
+              <a:ext uri="{FF2B5EF4-FFF2-40B4-BE49-F238E27FC236}">
+                <a16:creationId xmlns:a16="http://schemas.microsoft.com/office/drawing/2014/main" id="{7C9CF8E1-4D19-4E19-9EF4-B9F4624E4D5E}"/>
+              </a:ext>
+            </a:extLst>
+          </p:cNvPr>
+          <p:cNvSpPr txBox="1"/>
+          <p:nvPr/>
+        </p:nvSpPr>
+        <p:spPr>
+          <a:xfrm>
+            <a:off x="2107970" y="4781550"/>
+            <a:ext cx="8960082" cy="1569660"/>
+          </a:xfrm>
+          <a:prstGeom prst="rect">
+            <a:avLst/>
+          </a:prstGeom>
+          <a:noFill/>
+        </p:spPr>
+        <p:txBody>
+          <a:bodyPr wrap="none" rtlCol="0">
+            <a:spAutoFit/>
+          </a:bodyPr>
+          <a:lstStyle/>
+          <a:p>
+            <a:r>
+              <a:rPr lang="en-US" sz="2400" dirty="0">
+                <a:solidFill>
+                  <a:schemeClr val="accent2"/>
+                </a:solidFill>
+              </a:rPr>
+              <a:t>A Class which implements an interface must have the implementation </a:t>
+            </a:r>
+          </a:p>
+          <a:p>
+            <a:r>
+              <a:rPr lang="en-US" sz="2400" dirty="0">
+                <a:solidFill>
+                  <a:schemeClr val="accent2"/>
+                </a:solidFill>
+              </a:rPr>
+              <a:t>code for the method.</a:t>
+            </a:r>
+          </a:p>
+          <a:p>
+            <a:endParaRPr lang="en-US" sz="2400" dirty="0">
+              <a:solidFill>
+                <a:schemeClr val="accent2"/>
+              </a:solidFill>
+            </a:endParaRPr>
+          </a:p>
+          <a:p>
+            <a:r>
+              <a:rPr lang="en-US" sz="2400" dirty="0">
+                <a:solidFill>
+                  <a:schemeClr val="accent2"/>
+                </a:solidFill>
+              </a:rPr>
+              <a:t>Interface specify what a class must do, not how.</a:t>
+            </a:r>
+          </a:p>
+        </p:txBody>
+      </p:sp>
+    </p:spTree>
+    <p:extLst>
+      <p:ext uri="{BB962C8B-B14F-4D97-AF65-F5344CB8AC3E}">
+        <p14:creationId xmlns:p14="http://schemas.microsoft.com/office/powerpoint/2010/main" val="1978534407"/>
+      </p:ext>
+    </p:extLst>
+  </p:cSld>
+  <p:clrMapOvr>
+    <a:masterClrMapping/>
+  </p:clrMapOvr>
+</p:sld>
+</file>
+
+<file path=ppt/slides/slide4.xml><?xml version="1.0" encoding="utf-8"?>
+<p:sld xmlns:a="http://schemas.openxmlformats.org/drawingml/2006/main" xmlns:r="http://schemas.openxmlformats.org/officeDocument/2006/relationships" xmlns:p="http://schemas.openxmlformats.org/presentationml/2006/main">
+  <p:cSld>
+    <p:spTree>
+      <p:nvGrpSpPr>
+        <p:cNvPr id="1" name=""/>
+        <p:cNvGrpSpPr/>
+        <p:nvPr/>
+      </p:nvGrpSpPr>
+      <p:grpSpPr>
+        <a:xfrm>
+          <a:off x="0" y="0"/>
+          <a:ext cx="0" cy="0"/>
+          <a:chOff x="0" y="0"/>
+          <a:chExt cx="0" cy="0"/>
+        </a:xfrm>
+      </p:grpSpPr>
+      <p:sp>
+        <p:nvSpPr>
+          <p:cNvPr id="2" name="TextBox 1">
+            <a:extLst>
+              <a:ext uri="{FF2B5EF4-FFF2-40B4-BE49-F238E27FC236}">
+                <a16:creationId xmlns:a16="http://schemas.microsoft.com/office/drawing/2014/main" id="{118990EA-0DA0-41CA-AC55-15A17AE1DB3B}"/>
+              </a:ext>
+            </a:extLst>
+          </p:cNvPr>
+          <p:cNvSpPr txBox="1"/>
+          <p:nvPr/>
+        </p:nvSpPr>
+        <p:spPr>
+          <a:xfrm>
+            <a:off x="962025" y="866774"/>
+            <a:ext cx="5629275" cy="4524315"/>
+          </a:xfrm>
+          <a:prstGeom prst="rect">
+            <a:avLst/>
+          </a:prstGeom>
+          <a:noFill/>
+        </p:spPr>
+        <p:txBody>
+          <a:bodyPr wrap="square" rtlCol="0">
+            <a:spAutoFit/>
+          </a:bodyPr>
+          <a:lstStyle/>
+          <a:p>
+            <a:r>
+              <a:rPr lang="en-US" dirty="0">
+                <a:solidFill>
+                  <a:schemeClr val="accent1"/>
+                </a:solidFill>
+              </a:rPr>
+              <a:t>Interface Animal {</a:t>
+            </a:r>
+          </a:p>
+          <a:p>
+            <a:r>
+              <a:rPr lang="en-US" dirty="0">
+                <a:solidFill>
+                  <a:schemeClr val="accent1"/>
+                </a:solidFill>
+              </a:rPr>
+              <a:t>	public void eat();</a:t>
+            </a:r>
+          </a:p>
+          <a:p>
+            <a:r>
+              <a:rPr lang="en-US" dirty="0">
+                <a:solidFill>
+                  <a:schemeClr val="accent1"/>
+                </a:solidFill>
+              </a:rPr>
+              <a:t>	public void legs();</a:t>
+            </a:r>
+          </a:p>
+          <a:p>
+            <a:r>
+              <a:rPr lang="en-US" dirty="0">
+                <a:solidFill>
+                  <a:schemeClr val="accent1"/>
+                </a:solidFill>
+              </a:rPr>
+              <a:t>	public void sound();</a:t>
+            </a:r>
+          </a:p>
+          <a:p>
+            <a:r>
+              <a:rPr lang="en-US" dirty="0">
+                <a:solidFill>
+                  <a:schemeClr val="accent1"/>
+                </a:solidFill>
+              </a:rPr>
+              <a:t>	}</a:t>
+            </a:r>
+          </a:p>
+          <a:p>
+            <a:endParaRPr lang="en-US" dirty="0"/>
+          </a:p>
+          <a:p>
+            <a:r>
+              <a:rPr lang="en-US" dirty="0"/>
+              <a:t>Public class Dog implements Animal {</a:t>
+            </a:r>
+          </a:p>
+          <a:p>
+            <a:r>
+              <a:rPr lang="en-US" dirty="0"/>
+              <a:t>	public void eat() {</a:t>
+            </a:r>
+          </a:p>
+          <a:p>
+            <a:r>
+              <a:rPr lang="en-US" dirty="0"/>
+              <a:t>	</a:t>
+            </a:r>
+            <a:r>
+              <a:rPr lang="en-US" dirty="0" err="1"/>
+              <a:t>System.out.println</a:t>
+            </a:r>
+            <a:r>
+              <a:rPr lang="en-US" dirty="0"/>
+              <a:t>(“Dog eats Biscuits”);</a:t>
+            </a:r>
+          </a:p>
+          <a:p>
+            <a:r>
+              <a:rPr lang="en-US" dirty="0"/>
+              <a:t>	}</a:t>
+            </a:r>
+          </a:p>
+          <a:p>
+            <a:r>
+              <a:rPr lang="en-US" dirty="0"/>
+              <a:t>	public void legs(){</a:t>
+            </a:r>
+          </a:p>
+          <a:p>
+            <a:r>
+              <a:rPr lang="en-US" dirty="0"/>
+              <a:t>	</a:t>
+            </a:r>
+            <a:r>
+              <a:rPr lang="en-US" dirty="0" err="1"/>
+              <a:t>System.out.println</a:t>
+            </a:r>
+            <a:r>
+              <a:rPr lang="en-US" dirty="0"/>
+              <a:t>(“Dog has 4 legs”);</a:t>
+            </a:r>
+          </a:p>
+          <a:p>
+            <a:r>
+              <a:rPr lang="en-US" dirty="0"/>
+              <a:t>	}</a:t>
+            </a:r>
+          </a:p>
+          <a:p>
+            <a:r>
+              <a:rPr lang="en-US" dirty="0"/>
+              <a:t>	public void sound(){</a:t>
+            </a:r>
+          </a:p>
+          <a:p>
+            <a:r>
+              <a:rPr lang="en-US" dirty="0"/>
+              <a:t>	</a:t>
+            </a:r>
+            <a:r>
+              <a:rPr lang="en-US" dirty="0" err="1"/>
+              <a:t>System.out.println</a:t>
+            </a:r>
+            <a:r>
+              <a:rPr lang="en-US" dirty="0"/>
+              <a:t>(“Dog sounds – Bow Bow”);</a:t>
+            </a:r>
+          </a:p>
+          <a:p>
+            <a:r>
+              <a:rPr lang="en-US" dirty="0"/>
+              <a:t>	}</a:t>
+            </a:r>
+          </a:p>
+        </p:txBody>
+      </p:sp>
+      <p:sp>
+        <p:nvSpPr>
+          <p:cNvPr id="3" name="TextBox 2">
+            <a:extLst>
+              <a:ext uri="{FF2B5EF4-FFF2-40B4-BE49-F238E27FC236}">
+                <a16:creationId xmlns:a16="http://schemas.microsoft.com/office/drawing/2014/main" id="{459B17FD-6F9D-4760-9130-B5C5FB24379C}"/>
+              </a:ext>
+            </a:extLst>
+          </p:cNvPr>
+          <p:cNvSpPr txBox="1"/>
+          <p:nvPr/>
+        </p:nvSpPr>
+        <p:spPr>
+          <a:xfrm>
+            <a:off x="6591299" y="2505074"/>
+            <a:ext cx="5229225" cy="2862322"/>
+          </a:xfrm>
+          <a:prstGeom prst="rect">
+            <a:avLst/>
+          </a:prstGeom>
+          <a:noFill/>
+        </p:spPr>
+        <p:txBody>
+          <a:bodyPr wrap="square" rtlCol="0">
+            <a:spAutoFit/>
+          </a:bodyPr>
+          <a:lstStyle/>
+          <a:p>
+            <a:r>
+              <a:rPr lang="en-US" dirty="0"/>
+              <a:t>Public class Cat implements Animal {</a:t>
+            </a:r>
+          </a:p>
+          <a:p>
+            <a:r>
+              <a:rPr lang="en-US" dirty="0"/>
+              <a:t>	public void eat() {</a:t>
+            </a:r>
+          </a:p>
+          <a:p>
+            <a:r>
+              <a:rPr lang="en-US" dirty="0"/>
+              <a:t>	</a:t>
+            </a:r>
+            <a:r>
+              <a:rPr lang="en-US" dirty="0" err="1"/>
+              <a:t>System.out.println</a:t>
+            </a:r>
+            <a:r>
+              <a:rPr lang="en-US" dirty="0"/>
+              <a:t>(“Cat drinks milk”);</a:t>
+            </a:r>
+          </a:p>
+          <a:p>
+            <a:r>
+              <a:rPr lang="en-US" dirty="0"/>
+              <a:t>	}</a:t>
+            </a:r>
+          </a:p>
+          <a:p>
+            <a:r>
+              <a:rPr lang="en-US" dirty="0"/>
+              <a:t>	public void legs(){</a:t>
+            </a:r>
+          </a:p>
+          <a:p>
+            <a:r>
+              <a:rPr lang="en-US" dirty="0"/>
+              <a:t>	</a:t>
+            </a:r>
+            <a:r>
+              <a:rPr lang="en-US" dirty="0" err="1"/>
+              <a:t>System.out.println</a:t>
+            </a:r>
+            <a:r>
+              <a:rPr lang="en-US" dirty="0"/>
+              <a:t>(“Cat has 4 legs”);</a:t>
+            </a:r>
+          </a:p>
+          <a:p>
+            <a:r>
+              <a:rPr lang="en-US" dirty="0"/>
+              <a:t>	}</a:t>
+            </a:r>
+          </a:p>
+          <a:p>
+            <a:r>
+              <a:rPr lang="en-US" dirty="0"/>
+              <a:t>	public void sound(){</a:t>
+            </a:r>
+          </a:p>
+          <a:p>
+            <a:r>
+              <a:rPr lang="en-US" dirty="0"/>
+              <a:t>	</a:t>
+            </a:r>
+            <a:r>
+              <a:rPr lang="en-US" dirty="0" err="1"/>
+              <a:t>System.out.println</a:t>
+            </a:r>
+            <a:r>
+              <a:rPr lang="en-US" dirty="0"/>
+              <a:t>(“Cat sounds – </a:t>
+            </a:r>
+            <a:r>
+              <a:rPr lang="en-US" dirty="0" err="1"/>
+              <a:t>Meaow</a:t>
+            </a:r>
+            <a:r>
+              <a:rPr lang="en-US" dirty="0"/>
+              <a:t>”);</a:t>
+            </a:r>
+          </a:p>
+          <a:p>
+            <a:r>
+              <a:rPr lang="en-US" dirty="0"/>
+              <a:t>	}</a:t>
+            </a:r>
+          </a:p>
+        </p:txBody>
+      </p:sp>
+    </p:spTree>
+    <p:extLst>
+      <p:ext uri="{BB962C8B-B14F-4D97-AF65-F5344CB8AC3E}">
+        <p14:creationId xmlns:p14="http://schemas.microsoft.com/office/powerpoint/2010/main" val="405592667"/>
+      </p:ext>
+    </p:extLst>
+  </p:cSld>
+  <p:clrMapOvr>
+    <a:masterClrMapping/>
+  </p:clrMapOvr>
+</p:sld>
+</file>
+
+<file path=ppt/slides/slide5.xml><?xml version="1.0" encoding="utf-8"?>
+<p:sld xmlns:a="http://schemas.openxmlformats.org/drawingml/2006/main" xmlns:r="http://schemas.openxmlformats.org/officeDocument/2006/relationships" xmlns:p="http://schemas.openxmlformats.org/presentationml/2006/main">
+  <p:cSld>
+    <p:spTree>
+      <p:nvGrpSpPr>
+        <p:cNvPr id="1" name=""/>
+        <p:cNvGrpSpPr/>
+        <p:nvPr/>
+      </p:nvGrpSpPr>
+      <p:grpSpPr>
+        <a:xfrm>
+          <a:off x="0" y="0"/>
+          <a:ext cx="0" cy="0"/>
+          <a:chOff x="0" y="0"/>
+          <a:chExt cx="0" cy="0"/>
+        </a:xfrm>
+      </p:grpSpPr>
+      <p:sp>
+        <p:nvSpPr>
+          <p:cNvPr id="2" name="TextBox 1">
+            <a:extLst>
+              <a:ext uri="{FF2B5EF4-FFF2-40B4-BE49-F238E27FC236}">
                 <a16:creationId xmlns:a16="http://schemas.microsoft.com/office/drawing/2014/main" id="{FBCF629A-A9D0-48AC-A7BE-840B2257F08A}"/>
               </a:ext>
             </a:extLst>
@@ -3592,10 +4226,184 @@
           </a:p>
         </p:txBody>
       </p:sp>
+      <p:sp>
+        <p:nvSpPr>
+          <p:cNvPr id="3" name="TextBox 2">
+            <a:extLst>
+              <a:ext uri="{FF2B5EF4-FFF2-40B4-BE49-F238E27FC236}">
+                <a16:creationId xmlns:a16="http://schemas.microsoft.com/office/drawing/2014/main" id="{4DBAA992-B352-45E0-B670-5ADC938DFEDA}"/>
+              </a:ext>
+            </a:extLst>
+          </p:cNvPr>
+          <p:cNvSpPr txBox="1"/>
+          <p:nvPr/>
+        </p:nvSpPr>
+        <p:spPr>
+          <a:xfrm>
+            <a:off x="1747837" y="2767280"/>
+            <a:ext cx="8696325" cy="1323439"/>
+          </a:xfrm>
+          <a:prstGeom prst="rect">
+            <a:avLst/>
+          </a:prstGeom>
+          <a:noFill/>
+        </p:spPr>
+        <p:txBody>
+          <a:bodyPr wrap="square" rtlCol="0">
+            <a:spAutoFit/>
+          </a:bodyPr>
+          <a:lstStyle/>
+          <a:p>
+            <a:r>
+              <a:rPr lang="en-US" sz="4000" dirty="0">
+                <a:solidFill>
+                  <a:schemeClr val="accent2"/>
+                </a:solidFill>
+              </a:rPr>
+              <a:t>Clients should not be forced to depend on methods that they do not use. </a:t>
+            </a:r>
+          </a:p>
+        </p:txBody>
+      </p:sp>
     </p:spTree>
     <p:extLst>
       <p:ext uri="{BB962C8B-B14F-4D97-AF65-F5344CB8AC3E}">
-        <p14:creationId xmlns:p14="http://schemas.microsoft.com/office/powerpoint/2010/main" val="1670711242"/>
+        <p14:creationId xmlns:p14="http://schemas.microsoft.com/office/powerpoint/2010/main" val="281404339"/>
+      </p:ext>
+    </p:extLst>
+  </p:cSld>
+  <p:clrMapOvr>
+    <a:masterClrMapping/>
+  </p:clrMapOvr>
+</p:sld>
+</file>
+
+<file path=ppt/slides/slide6.xml><?xml version="1.0" encoding="utf-8"?>
+<p:sld xmlns:a="http://schemas.openxmlformats.org/drawingml/2006/main" xmlns:r="http://schemas.openxmlformats.org/officeDocument/2006/relationships" xmlns:p="http://schemas.openxmlformats.org/presentationml/2006/main">
+  <p:cSld>
+    <p:spTree>
+      <p:nvGrpSpPr>
+        <p:cNvPr id="1" name=""/>
+        <p:cNvGrpSpPr/>
+        <p:nvPr/>
+      </p:nvGrpSpPr>
+      <p:grpSpPr>
+        <a:xfrm>
+          <a:off x="0" y="0"/>
+          <a:ext cx="0" cy="0"/>
+          <a:chOff x="0" y="0"/>
+          <a:chExt cx="0" cy="0"/>
+        </a:xfrm>
+      </p:grpSpPr>
+      <p:sp>
+        <p:nvSpPr>
+          <p:cNvPr id="2" name="TextBox 1">
+            <a:extLst>
+              <a:ext uri="{FF2B5EF4-FFF2-40B4-BE49-F238E27FC236}">
+                <a16:creationId xmlns:a16="http://schemas.microsoft.com/office/drawing/2014/main" id="{66CDC900-570F-4F65-B921-C409E62F3E82}"/>
+              </a:ext>
+            </a:extLst>
+          </p:cNvPr>
+          <p:cNvSpPr txBox="1"/>
+          <p:nvPr/>
+        </p:nvSpPr>
+        <p:spPr>
+          <a:xfrm>
+            <a:off x="1571624" y="1057273"/>
+            <a:ext cx="7353301" cy="2862322"/>
+          </a:xfrm>
+          <a:prstGeom prst="rect">
+            <a:avLst/>
+          </a:prstGeom>
+          <a:noFill/>
+        </p:spPr>
+        <p:txBody>
+          <a:bodyPr wrap="square" rtlCol="0">
+            <a:spAutoFit/>
+          </a:bodyPr>
+          <a:lstStyle/>
+          <a:p>
+            <a:r>
+              <a:rPr lang="en-US" dirty="0"/>
+              <a:t>Public class Snake implements Animal {</a:t>
+            </a:r>
+          </a:p>
+          <a:p>
+            <a:r>
+              <a:rPr lang="en-US" dirty="0"/>
+              <a:t>	public void eat() {</a:t>
+            </a:r>
+          </a:p>
+          <a:p>
+            <a:r>
+              <a:rPr lang="en-US" dirty="0"/>
+              <a:t>	</a:t>
+            </a:r>
+            <a:r>
+              <a:rPr lang="en-US" dirty="0" err="1"/>
+              <a:t>System.out.println</a:t>
+            </a:r>
+            <a:r>
+              <a:rPr lang="en-US" dirty="0"/>
+              <a:t>(“Snake drinks milk”);</a:t>
+            </a:r>
+          </a:p>
+          <a:p>
+            <a:r>
+              <a:rPr lang="en-US" dirty="0"/>
+              <a:t>	}</a:t>
+            </a:r>
+          </a:p>
+          <a:p>
+            <a:r>
+              <a:rPr lang="en-US" dirty="0"/>
+              <a:t>	public void legs(){</a:t>
+            </a:r>
+          </a:p>
+          <a:p>
+            <a:r>
+              <a:rPr lang="en-US" dirty="0"/>
+              <a:t>	// No Code</a:t>
+            </a:r>
+          </a:p>
+          <a:p>
+            <a:r>
+              <a:rPr lang="en-US" dirty="0"/>
+              <a:t>	}</a:t>
+            </a:r>
+          </a:p>
+          <a:p>
+            <a:r>
+              <a:rPr lang="en-US" dirty="0"/>
+              <a:t>	public void sound(){</a:t>
+            </a:r>
+          </a:p>
+          <a:p>
+            <a:r>
+              <a:rPr lang="en-US" dirty="0"/>
+              <a:t>	</a:t>
+            </a:r>
+            <a:r>
+              <a:rPr lang="en-US" dirty="0" err="1"/>
+              <a:t>System.out.println</a:t>
+            </a:r>
+            <a:r>
+              <a:rPr lang="en-US" dirty="0"/>
+              <a:t>(“Snake sounds”);</a:t>
+            </a:r>
+          </a:p>
+          <a:p>
+            <a:r>
+              <a:rPr lang="en-US" dirty="0"/>
+              <a:t>	}</a:t>
+            </a:r>
+          </a:p>
+        </p:txBody>
+      </p:sp>
+    </p:spTree>
+    <p:extLst>
+      <p:ext uri="{BB962C8B-B14F-4D97-AF65-F5344CB8AC3E}">
+        <p14:creationId xmlns:p14="http://schemas.microsoft.com/office/powerpoint/2010/main" val="111324183"/>
       </p:ext>
     </p:extLst>
   </p:cSld>

--- a/Interface Segregation Principle.pptx
+++ b/Interface Segregation Principle.pptx
@@ -11,6 +11,7 @@
     <p:sldId id="260" r:id="rId5"/>
     <p:sldId id="261" r:id="rId6"/>
     <p:sldId id="262" r:id="rId7"/>
+    <p:sldId id="263" r:id="rId8"/>
   </p:sldIdLst>
   <p:sldSz cx="12192000" cy="6858000"/>
   <p:notesSz cx="6858000" cy="9144000"/>
@@ -120,6 +121,7 @@
             <p14:sldId id="260"/>
             <p14:sldId id="261"/>
             <p14:sldId id="262"/>
+            <p14:sldId id="263"/>
           </p14:sldIdLst>
         </p14:section>
       </p14:sectionLst>
@@ -4413,6 +4415,161 @@
 </p:sld>
 </file>
 
+<file path=ppt/slides/slide7.xml><?xml version="1.0" encoding="utf-8"?>
+<p:sld xmlns:a="http://schemas.openxmlformats.org/drawingml/2006/main" xmlns:r="http://schemas.openxmlformats.org/officeDocument/2006/relationships" xmlns:p="http://schemas.openxmlformats.org/presentationml/2006/main">
+  <p:cSld>
+    <p:spTree>
+      <p:nvGrpSpPr>
+        <p:cNvPr id="1" name=""/>
+        <p:cNvGrpSpPr/>
+        <p:nvPr/>
+      </p:nvGrpSpPr>
+      <p:grpSpPr>
+        <a:xfrm>
+          <a:off x="0" y="0"/>
+          <a:ext cx="0" cy="0"/>
+          <a:chOff x="0" y="0"/>
+          <a:chExt cx="0" cy="0"/>
+        </a:xfrm>
+      </p:grpSpPr>
+      <p:sp>
+        <p:nvSpPr>
+          <p:cNvPr id="2" name="TextBox 1">
+            <a:extLst>
+              <a:ext uri="{FF2B5EF4-FFF2-40B4-BE49-F238E27FC236}">
+                <a16:creationId xmlns:a16="http://schemas.microsoft.com/office/drawing/2014/main" id="{333D0EE2-92F9-415D-8FAF-7E07FFEAE383}"/>
+              </a:ext>
+            </a:extLst>
+          </p:cNvPr>
+          <p:cNvSpPr txBox="1"/>
+          <p:nvPr/>
+        </p:nvSpPr>
+        <p:spPr>
+          <a:xfrm>
+            <a:off x="1104900" y="1000124"/>
+            <a:ext cx="10239375" cy="3200876"/>
+          </a:xfrm>
+          <a:prstGeom prst="rect">
+            <a:avLst/>
+          </a:prstGeom>
+          <a:noFill/>
+        </p:spPr>
+        <p:txBody>
+          <a:bodyPr wrap="square" rtlCol="0">
+            <a:spAutoFit/>
+          </a:bodyPr>
+          <a:lstStyle/>
+          <a:p>
+            <a:r>
+              <a:rPr lang="en-US" sz="4000" dirty="0">
+                <a:solidFill>
+                  <a:schemeClr val="accent1"/>
+                </a:solidFill>
+              </a:rPr>
+              <a:t>Conclusion</a:t>
+            </a:r>
+          </a:p>
+          <a:p>
+            <a:endParaRPr lang="en-US" dirty="0"/>
+          </a:p>
+          <a:p>
+            <a:r>
+              <a:rPr lang="en-US" sz="2400" dirty="0">
+                <a:solidFill>
+                  <a:schemeClr val="accent2"/>
+                </a:solidFill>
+              </a:rPr>
+              <a:t>We should keep our Interfaces as small as possible.</a:t>
+            </a:r>
+          </a:p>
+          <a:p>
+            <a:endParaRPr lang="en-US" sz="2400" dirty="0">
+              <a:solidFill>
+                <a:schemeClr val="accent2"/>
+              </a:solidFill>
+            </a:endParaRPr>
+          </a:p>
+          <a:p>
+            <a:r>
+              <a:rPr lang="en-US" sz="2400" dirty="0">
+                <a:solidFill>
+                  <a:schemeClr val="accent2"/>
+                </a:solidFill>
+              </a:rPr>
+              <a:t>If we have fat interfaces with lot of methods, then every time if you change the interface, all the implementing classes should also change.</a:t>
+            </a:r>
+          </a:p>
+          <a:p>
+            <a:endParaRPr lang="en-US" sz="2400" dirty="0">
+              <a:solidFill>
+                <a:schemeClr val="accent2"/>
+              </a:solidFill>
+            </a:endParaRPr>
+          </a:p>
+          <a:p>
+            <a:r>
+              <a:rPr lang="en-US" sz="2400" dirty="0">
+                <a:solidFill>
+                  <a:schemeClr val="accent2"/>
+                </a:solidFill>
+              </a:rPr>
+              <a:t>Better to have many small interfaces rather than a few large interfaces.</a:t>
+            </a:r>
+          </a:p>
+        </p:txBody>
+      </p:sp>
+      <p:sp>
+        <p:nvSpPr>
+          <p:cNvPr id="3" name="TextBox 2">
+            <a:extLst>
+              <a:ext uri="{FF2B5EF4-FFF2-40B4-BE49-F238E27FC236}">
+                <a16:creationId xmlns:a16="http://schemas.microsoft.com/office/drawing/2014/main" id="{73C1B6C4-9F9F-4601-A8A5-A74D8A2C8518}"/>
+              </a:ext>
+            </a:extLst>
+          </p:cNvPr>
+          <p:cNvSpPr txBox="1"/>
+          <p:nvPr/>
+        </p:nvSpPr>
+        <p:spPr>
+          <a:xfrm>
+            <a:off x="1104900" y="4758005"/>
+            <a:ext cx="8696325" cy="1323439"/>
+          </a:xfrm>
+          <a:prstGeom prst="rect">
+            <a:avLst/>
+          </a:prstGeom>
+          <a:noFill/>
+        </p:spPr>
+        <p:txBody>
+          <a:bodyPr wrap="square" rtlCol="0">
+            <a:spAutoFit/>
+          </a:bodyPr>
+          <a:lstStyle/>
+          <a:p>
+            <a:r>
+              <a:rPr lang="en-US" sz="4000" dirty="0">
+                <a:solidFill>
+                  <a:schemeClr val="accent6"/>
+                </a:solidFill>
+              </a:rPr>
+              <a:t>Clients should not be forced to depend on methods that they do not use. </a:t>
+            </a:r>
+          </a:p>
+        </p:txBody>
+      </p:sp>
+    </p:spTree>
+    <p:extLst>
+      <p:ext uri="{BB962C8B-B14F-4D97-AF65-F5344CB8AC3E}">
+        <p14:creationId xmlns:p14="http://schemas.microsoft.com/office/powerpoint/2010/main" val="1520057389"/>
+      </p:ext>
+    </p:extLst>
+  </p:cSld>
+  <p:clrMapOvr>
+    <a:masterClrMapping/>
+  </p:clrMapOvr>
+</p:sld>
+</file>
+
 <file path=ppt/theme/theme1.xml><?xml version="1.0" encoding="utf-8"?>
 <a:theme xmlns:a="http://schemas.openxmlformats.org/drawingml/2006/main" name="Office Theme">
   <a:themeElements>
